--- a/database/slides/IF_YOU_WISH_TO_BE_MY_DISCIPLE.pptx
+++ b/database/slides/IF_YOU_WISH_TO_BE_MY_DISCIPLE.pptx
@@ -16072,7 +16072,13 @@
       </p:sp>
       <p:sp>
         <p:nvSpPr>
-          <p:cNvPr id="131" name="Google Shape;131;p25"/>
+          <p:cNvPr id="2" name="Google Shape;131;p25">
+            <a:extLst>
+              <a:ext uri="{FF2B5EF4-FFF2-40B4-BE49-F238E27FC236}">
+                <a16:creationId xmlns:a16="http://schemas.microsoft.com/office/drawing/2014/main" id="{6BDAD85E-C5B7-1B96-2D48-F6639A6CB3C4}"/>
+              </a:ext>
+            </a:extLst>
+          </p:cNvPr>
           <p:cNvSpPr txBox="1"/>
           <p:nvPr/>
         </p:nvSpPr>
@@ -16095,11 +16101,19 @@
           </a:bodyPr>
           <a:lstStyle/>
           <a:p>
-            <a:pPr>
+            <a:pPr marL="0" lvl="0" indent="0" algn="l" rtl="0">
+              <a:spcBef>
+                <a:spcPts val="0"/>
+              </a:spcBef>
+              <a:spcAft>
+                <a:spcPts val="0"/>
+              </a:spcAft>
               <a:buClr>
                 <a:schemeClr val="lt1"/>
               </a:buClr>
               <a:buSzPts val="3200"/>
+              <a:buFont typeface="Arial"/>
+              <a:buNone/>
             </a:pPr>
             <a:r>
               <a:rPr lang="en-GB" sz="3600" b="1" i="1" dirty="0">
@@ -16113,7 +16127,7 @@
               </a:rPr>
               <a:t>contd..</a:t>
             </a:r>
-            <a:endParaRPr lang="en-GB" sz="3600" dirty="0">
+            <a:endParaRPr sz="3600" dirty="0">
               <a:latin typeface="Calibri"/>
               <a:ea typeface="Calibri"/>
               <a:cs typeface="Calibri"/>
@@ -16467,10 +16481,10 @@
       </p:sp>
       <p:sp>
         <p:nvSpPr>
-          <p:cNvPr id="131" name="Google Shape;131;p25">
+          <p:cNvPr id="2" name="Google Shape;131;p25">
             <a:extLst>
               <a:ext uri="{FF2B5EF4-FFF2-40B4-BE49-F238E27FC236}">
-                <a16:creationId xmlns:a16="http://schemas.microsoft.com/office/drawing/2014/main" id="{9D257610-244C-1DD0-F03D-54362926EC45}"/>
+                <a16:creationId xmlns:a16="http://schemas.microsoft.com/office/drawing/2014/main" id="{924EFCDC-339E-2114-7845-9822D11BA7FA}"/>
               </a:ext>
             </a:extLst>
           </p:cNvPr>
@@ -16496,11 +16510,19 @@
           </a:bodyPr>
           <a:lstStyle/>
           <a:p>
-            <a:pPr>
+            <a:pPr marL="0" lvl="0" indent="0" algn="l" rtl="0">
+              <a:spcBef>
+                <a:spcPts val="0"/>
+              </a:spcBef>
+              <a:spcAft>
+                <a:spcPts val="0"/>
+              </a:spcAft>
               <a:buClr>
                 <a:schemeClr val="lt1"/>
               </a:buClr>
               <a:buSzPts val="3200"/>
+              <a:buFont typeface="Arial"/>
+              <a:buNone/>
             </a:pPr>
             <a:r>
               <a:rPr lang="en-GB" sz="3600" b="1" i="1" dirty="0">
@@ -16514,7 +16536,7 @@
               </a:rPr>
               <a:t>contd..</a:t>
             </a:r>
-            <a:endParaRPr lang="en-GB" sz="3600" dirty="0">
+            <a:endParaRPr sz="3600" dirty="0">
               <a:latin typeface="Calibri"/>
               <a:ea typeface="Calibri"/>
               <a:cs typeface="Calibri"/>
@@ -16846,10 +16868,10 @@
       </p:sp>
       <p:sp>
         <p:nvSpPr>
-          <p:cNvPr id="131" name="Google Shape;131;p25">
+          <p:cNvPr id="2" name="Google Shape;131;p25">
             <a:extLst>
               <a:ext uri="{FF2B5EF4-FFF2-40B4-BE49-F238E27FC236}">
-                <a16:creationId xmlns:a16="http://schemas.microsoft.com/office/drawing/2014/main" id="{56EF045B-34A5-F02A-230C-86D8107197EC}"/>
+                <a16:creationId xmlns:a16="http://schemas.microsoft.com/office/drawing/2014/main" id="{6B0CE84D-EA38-2D72-96ED-5E51D50EE183}"/>
               </a:ext>
             </a:extLst>
           </p:cNvPr>
@@ -16875,11 +16897,19 @@
           </a:bodyPr>
           <a:lstStyle/>
           <a:p>
-            <a:pPr>
+            <a:pPr marL="0" lvl="0" indent="0" algn="l" rtl="0">
+              <a:spcBef>
+                <a:spcPts val="0"/>
+              </a:spcBef>
+              <a:spcAft>
+                <a:spcPts val="0"/>
+              </a:spcAft>
               <a:buClr>
                 <a:schemeClr val="lt1"/>
               </a:buClr>
               <a:buSzPts val="3200"/>
+              <a:buFont typeface="Arial"/>
+              <a:buNone/>
             </a:pPr>
             <a:r>
               <a:rPr lang="en-GB" sz="3600" b="1" i="1" dirty="0">
@@ -16893,7 +16923,7 @@
               </a:rPr>
               <a:t>contd..</a:t>
             </a:r>
-            <a:endParaRPr lang="en-GB" sz="3600" dirty="0">
+            <a:endParaRPr sz="3600" dirty="0">
               <a:latin typeface="Calibri"/>
               <a:ea typeface="Calibri"/>
               <a:cs typeface="Calibri"/>
